--- a/Efficient FPGA Develeopment.pptx
+++ b/Efficient FPGA Develeopment.pptx
@@ -5,7 +5,7 @@
     <p:sldMasterId id="2147483648" r:id="rId1"/>
   </p:sldMasterIdLst>
   <p:notesMasterIdLst>
-    <p:notesMasterId r:id="rId31"/>
+    <p:notesMasterId r:id="rId30"/>
   </p:notesMasterIdLst>
   <p:sldIdLst>
     <p:sldId id="545" r:id="rId2"/>
@@ -32,16 +32,15 @@
     <p:sldId id="589" r:id="rId23"/>
     <p:sldId id="591" r:id="rId24"/>
     <p:sldId id="590" r:id="rId25"/>
-    <p:sldId id="582" r:id="rId26"/>
-    <p:sldId id="583" r:id="rId27"/>
-    <p:sldId id="585" r:id="rId28"/>
-    <p:sldId id="586" r:id="rId29"/>
-    <p:sldId id="571" r:id="rId30"/>
+    <p:sldId id="583" r:id="rId26"/>
+    <p:sldId id="585" r:id="rId27"/>
+    <p:sldId id="586" r:id="rId28"/>
+    <p:sldId id="571" r:id="rId29"/>
   </p:sldIdLst>
   <p:sldSz cx="9144000" cy="6858000" type="screen4x3"/>
   <p:notesSz cx="7010400" cy="9296400"/>
   <p:custDataLst>
-    <p:tags r:id="rId32"/>
+    <p:tags r:id="rId31"/>
   </p:custDataLst>
   <p:defaultTextStyle>
     <a:defPPr>
@@ -3871,7 +3870,7 @@
     </p:spTree>
     <p:extLst>
       <p:ext uri="{BB962C8B-B14F-4D97-AF65-F5344CB8AC3E}">
-        <p14:creationId xmlns:p14="http://schemas.microsoft.com/office/powerpoint/2010/main" xmlns="" val="2692084447"/>
+        <p14:creationId xmlns="" xmlns:p14="http://schemas.microsoft.com/office/powerpoint/2010/main" val="2692084447"/>
       </p:ext>
     </p:extLst>
   </p:cSld>
@@ -4458,6 +4457,88 @@
 </p:notes>
 </file>
 
+<file path=ppt/notesSlides/notesSlide6.xml><?xml version="1.0" encoding="utf-8"?>
+<p:notes xmlns:a="http://schemas.openxmlformats.org/drawingml/2006/main" xmlns:r="http://schemas.openxmlformats.org/officeDocument/2006/relationships" xmlns:p="http://schemas.openxmlformats.org/presentationml/2006/main">
+  <p:cSld>
+    <p:spTree>
+      <p:nvGrpSpPr>
+        <p:cNvPr id="1" name=""/>
+        <p:cNvGrpSpPr/>
+        <p:nvPr/>
+      </p:nvGrpSpPr>
+      <p:grpSpPr>
+        <a:xfrm>
+          <a:off x="0" y="0"/>
+          <a:ext cx="0" cy="0"/>
+          <a:chOff x="0" y="0"/>
+          <a:chExt cx="0" cy="0"/>
+        </a:xfrm>
+      </p:grpSpPr>
+      <p:sp>
+        <p:nvSpPr>
+          <p:cNvPr id="2" name="Slide Image Placeholder 1"/>
+          <p:cNvSpPr>
+            <a:spLocks noGrp="1" noRot="1" noChangeAspect="1"/>
+          </p:cNvSpPr>
+          <p:nvPr>
+            <p:ph type="sldImg"/>
+          </p:nvPr>
+        </p:nvSpPr>
+        <p:spPr/>
+      </p:sp>
+      <p:sp>
+        <p:nvSpPr>
+          <p:cNvPr id="3" name="Notes Placeholder 2"/>
+          <p:cNvSpPr>
+            <a:spLocks noGrp="1"/>
+          </p:cNvSpPr>
+          <p:nvPr>
+            <p:ph type="body" idx="1"/>
+          </p:nvPr>
+        </p:nvSpPr>
+        <p:spPr/>
+        <p:txBody>
+          <a:bodyPr>
+            <a:normAutofit/>
+          </a:bodyPr>
+          <a:lstStyle/>
+          <a:p>
+            <a:endParaRPr lang="en-US" dirty="0"/>
+          </a:p>
+        </p:txBody>
+      </p:sp>
+      <p:sp>
+        <p:nvSpPr>
+          <p:cNvPr id="4" name="Slide Number Placeholder 3"/>
+          <p:cNvSpPr>
+            <a:spLocks noGrp="1"/>
+          </p:cNvSpPr>
+          <p:nvPr>
+            <p:ph type="sldNum" sz="quarter" idx="10"/>
+          </p:nvPr>
+        </p:nvSpPr>
+        <p:spPr/>
+        <p:txBody>
+          <a:bodyPr/>
+          <a:lstStyle/>
+          <a:p>
+            <a:fld id="{2D9CA52D-E199-4166-A4C0-D20E8189811E}" type="slidenum">
+              <a:rPr lang="en-US" smtClean="0"/>
+              <a:pPr/>
+              <a:t>26</a:t>
+            </a:fld>
+            <a:endParaRPr lang="en-US"/>
+          </a:p>
+        </p:txBody>
+      </p:sp>
+    </p:spTree>
+  </p:cSld>
+  <p:clrMapOvr>
+    <a:masterClrMapping/>
+  </p:clrMapOvr>
+</p:notes>
+</file>
+
 <file path=ppt/slideLayouts/slideLayout1.xml><?xml version="1.0" encoding="utf-8"?>
 <p:sldLayout xmlns:a="http://schemas.openxmlformats.org/drawingml/2006/main" xmlns:r="http://schemas.openxmlformats.org/officeDocument/2006/relationships" xmlns:p="http://schemas.openxmlformats.org/presentationml/2006/main" type="title" preserve="1">
   <p:cSld name="Title Slide">
@@ -5240,7 +5321,7 @@
     </p:spTree>
     <p:extLst>
       <p:ext uri="{BB962C8B-B14F-4D97-AF65-F5344CB8AC3E}">
-        <p14:creationId xmlns:p14="http://schemas.microsoft.com/office/powerpoint/2010/main" xmlns="" val="224824785"/>
+        <p14:creationId xmlns="" xmlns:p14="http://schemas.microsoft.com/office/powerpoint/2010/main" val="224824785"/>
       </p:ext>
     </p:extLst>
   </p:cSld>
@@ -5284,7 +5365,7 @@
     </p:spTree>
     <p:extLst>
       <p:ext uri="{BB962C8B-B14F-4D97-AF65-F5344CB8AC3E}">
-        <p14:creationId xmlns:p14="http://schemas.microsoft.com/office/powerpoint/2010/main" xmlns="" val="3785666462"/>
+        <p14:creationId xmlns="" xmlns:p14="http://schemas.microsoft.com/office/powerpoint/2010/main" val="3785666462"/>
       </p:ext>
     </p:extLst>
   </p:cSld>
@@ -6099,11 +6180,7 @@
             </a:r>
             <a:r>
               <a:rPr lang="en-US" sz="3200" dirty="0" smtClean="0"/>
-              <a:t> FPGA </a:t>
-            </a:r>
-            <a:r>
-              <a:rPr lang="en-US" sz="3200" dirty="0" smtClean="0"/>
-              <a:t>Development and Testing</a:t>
+              <a:t> FPGA Development and Testing</a:t>
             </a:r>
             <a:br>
               <a:rPr lang="en-US" sz="3200" dirty="0" smtClean="0"/>
@@ -6151,7 +6228,7 @@
     </p:spTree>
     <p:extLst>
       <p:ext uri="{BB962C8B-B14F-4D97-AF65-F5344CB8AC3E}">
-        <p14:creationId xmlns:p14="http://schemas.microsoft.com/office/powerpoint/2010/main" xmlns="" val="3305697076"/>
+        <p14:creationId xmlns="" xmlns:p14="http://schemas.microsoft.com/office/powerpoint/2010/main" val="3305697076"/>
       </p:ext>
     </p:extLst>
   </p:cSld>
@@ -8675,7 +8752,7 @@
 </file>
 
 <file path=ppt/slides/slide25.xml><?xml version="1.0" encoding="utf-8"?>
-<p:sld xmlns:a="http://schemas.openxmlformats.org/drawingml/2006/main" xmlns:r="http://schemas.openxmlformats.org/officeDocument/2006/relationships" xmlns:p="http://schemas.openxmlformats.org/presentationml/2006/main">
+<p:sld xmlns:a="http://schemas.openxmlformats.org/drawingml/2006/main" xmlns:r="http://schemas.openxmlformats.org/officeDocument/2006/relationships" xmlns:p="http://schemas.openxmlformats.org/presentationml/2006/main" show="0">
   <p:cSld>
     <p:spTree>
       <p:nvGrpSpPr>
@@ -8708,7 +8785,7 @@
           <a:p>
             <a:r>
               <a:rPr lang="en-US" dirty="0" smtClean="0"/>
-              <a:t>Compile Farm</a:t>
+              <a:t>Source Code Control</a:t>
             </a:r>
             <a:endParaRPr lang="en-US" dirty="0"/>
           </a:p>
@@ -8729,7 +8806,7 @@
           <a:bodyPr/>
           <a:lstStyle/>
           <a:p>
-            <a:endParaRPr lang="en-US"/>
+            <a:endParaRPr lang="en-US" dirty="0"/>
           </a:p>
         </p:txBody>
       </p:sp>
@@ -8738,6 +8815,7 @@
   <p:clrMapOvr>
     <a:masterClrMapping/>
   </p:clrMapOvr>
+  <p:transition/>
 </p:sld>
 </file>
 
@@ -8775,7 +8853,7 @@
           <a:p>
             <a:r>
               <a:rPr lang="en-US" dirty="0" smtClean="0"/>
-              <a:t>Source Code Control</a:t>
+              <a:t>Links</a:t>
             </a:r>
             <a:endParaRPr lang="en-US" dirty="0"/>
           </a:p>
@@ -8791,12 +8869,109 @@
             <p:ph idx="1"/>
           </p:nvPr>
         </p:nvSpPr>
-        <p:spPr/>
+        <p:spPr>
+          <a:xfrm>
+            <a:off x="364602" y="1299258"/>
+            <a:ext cx="8779397" cy="5113117"/>
+          </a:xfrm>
+        </p:spPr>
         <p:txBody>
           <a:bodyPr/>
           <a:lstStyle/>
           <a:p>
-            <a:endParaRPr lang="en-US"/>
+            <a:r>
+              <a:rPr lang="en-US" dirty="0" smtClean="0"/>
+              <a:t>Tutorial on FPGA Debugging</a:t>
+            </a:r>
+          </a:p>
+          <a:p>
+            <a:pPr>
+              <a:buNone/>
+            </a:pPr>
+            <a:r>
+              <a:rPr lang="en-US" dirty="0" smtClean="0">
+                <a:hlinkClick r:id="rId3"/>
+              </a:rPr>
+              <a:t>http://www.ni.com/tutorial/51862/en/</a:t>
+            </a:r>
+            <a:endParaRPr lang="en-US" dirty="0" smtClean="0"/>
+          </a:p>
+          <a:p>
+            <a:pPr>
+              <a:buNone/>
+            </a:pPr>
+            <a:endParaRPr lang="en-US" dirty="0" smtClean="0"/>
+          </a:p>
+          <a:p>
+            <a:r>
+              <a:rPr lang="en-US" dirty="0" smtClean="0"/>
+              <a:t>Tutorial on Unit Test</a:t>
+            </a:r>
+          </a:p>
+          <a:p>
+            <a:pPr>
+              <a:buNone/>
+            </a:pPr>
+            <a:r>
+              <a:rPr lang="en-US" dirty="0" smtClean="0">
+                <a:hlinkClick r:id="rId4"/>
+              </a:rPr>
+              <a:t>https://</a:t>
+            </a:r>
+            <a:r>
+              <a:rPr lang="en-US" dirty="0" smtClean="0">
+                <a:hlinkClick r:id="rId4"/>
+              </a:rPr>
+              <a:t>www.youtube.com/watch?v=TCaqxXIODnc</a:t>
+            </a:r>
+            <a:endParaRPr lang="en-US" dirty="0" smtClean="0"/>
+          </a:p>
+          <a:p>
+            <a:pPr>
+              <a:buNone/>
+            </a:pPr>
+            <a:endParaRPr lang="en-US" dirty="0" smtClean="0"/>
+          </a:p>
+          <a:p>
+            <a:r>
+              <a:rPr lang="en-US" dirty="0" smtClean="0"/>
+              <a:t>Linux Compile Farm</a:t>
+            </a:r>
+          </a:p>
+          <a:p>
+            <a:pPr>
+              <a:buNone/>
+            </a:pPr>
+            <a:r>
+              <a:rPr lang="en-US" dirty="0" smtClean="0">
+                <a:hlinkClick r:id="rId5"/>
+              </a:rPr>
+              <a:t>http://www.ni.com/tutorial/14039/en</a:t>
+            </a:r>
+            <a:r>
+              <a:rPr lang="en-US" dirty="0" smtClean="0">
+                <a:hlinkClick r:id="rId5"/>
+              </a:rPr>
+              <a:t>/</a:t>
+            </a:r>
+            <a:endParaRPr lang="en-US" dirty="0" smtClean="0"/>
+          </a:p>
+          <a:p>
+            <a:pPr>
+              <a:buNone/>
+            </a:pPr>
+            <a:endParaRPr lang="en-US" dirty="0" smtClean="0"/>
+          </a:p>
+          <a:p>
+            <a:r>
+              <a:rPr lang="en-US" dirty="0" smtClean="0"/>
+              <a:t>Tutorial </a:t>
+            </a:r>
+            <a:r>
+              <a:rPr lang="en-US" dirty="0" smtClean="0"/>
+              <a:t>on Source Code Control</a:t>
+            </a:r>
+            <a:endParaRPr lang="en-US" dirty="0"/>
           </a:p>
         </p:txBody>
       </p:sp>
@@ -8842,130 +9017,6 @@
           <a:p>
             <a:r>
               <a:rPr lang="en-US" dirty="0" smtClean="0"/>
-              <a:t>Links</a:t>
-            </a:r>
-            <a:endParaRPr lang="en-US" dirty="0"/>
-          </a:p>
-        </p:txBody>
-      </p:sp>
-      <p:sp>
-        <p:nvSpPr>
-          <p:cNvPr id="3" name="Content Placeholder 2"/>
-          <p:cNvSpPr>
-            <a:spLocks noGrp="1"/>
-          </p:cNvSpPr>
-          <p:nvPr>
-            <p:ph idx="1"/>
-          </p:nvPr>
-        </p:nvSpPr>
-        <p:spPr>
-          <a:xfrm>
-            <a:off x="364603" y="1310833"/>
-            <a:ext cx="8229600" cy="4525963"/>
-          </a:xfrm>
-        </p:spPr>
-        <p:txBody>
-          <a:bodyPr/>
-          <a:lstStyle/>
-          <a:p>
-            <a:r>
-              <a:rPr lang="en-US" dirty="0" smtClean="0"/>
-              <a:t>Tutorial on FPGA Debugging</a:t>
-            </a:r>
-          </a:p>
-          <a:p>
-            <a:pPr>
-              <a:buNone/>
-            </a:pPr>
-            <a:r>
-              <a:rPr lang="en-US" dirty="0" smtClean="0">
-                <a:hlinkClick r:id="rId2"/>
-              </a:rPr>
-              <a:t>http://www.ni.com/tutorial/51862/en/</a:t>
-            </a:r>
-            <a:endParaRPr lang="en-US" dirty="0" smtClean="0"/>
-          </a:p>
-          <a:p>
-            <a:pPr>
-              <a:buNone/>
-            </a:pPr>
-            <a:endParaRPr lang="en-US" dirty="0" smtClean="0"/>
-          </a:p>
-          <a:p>
-            <a:r>
-              <a:rPr lang="en-US" dirty="0" smtClean="0"/>
-              <a:t>Tutorial on Unit Test</a:t>
-            </a:r>
-          </a:p>
-          <a:p>
-            <a:pPr>
-              <a:buNone/>
-            </a:pPr>
-            <a:r>
-              <a:rPr lang="en-US" dirty="0" smtClean="0">
-                <a:hlinkClick r:id="rId3"/>
-              </a:rPr>
-              <a:t>https://www.youtube.com/watch?v=TCaqxXIODnc</a:t>
-            </a:r>
-            <a:endParaRPr lang="en-US" dirty="0" smtClean="0"/>
-          </a:p>
-          <a:p>
-            <a:pPr>
-              <a:buNone/>
-            </a:pPr>
-            <a:endParaRPr lang="en-US" dirty="0" smtClean="0"/>
-          </a:p>
-          <a:p>
-            <a:r>
-              <a:rPr lang="en-US" dirty="0" smtClean="0"/>
-              <a:t>Tutorial on Source Code Control</a:t>
-            </a:r>
-            <a:endParaRPr lang="en-US" dirty="0"/>
-          </a:p>
-        </p:txBody>
-      </p:sp>
-    </p:spTree>
-  </p:cSld>
-  <p:clrMapOvr>
-    <a:masterClrMapping/>
-  </p:clrMapOvr>
-</p:sld>
-</file>
-
-<file path=ppt/slides/slide28.xml><?xml version="1.0" encoding="utf-8"?>
-<p:sld xmlns:a="http://schemas.openxmlformats.org/drawingml/2006/main" xmlns:r="http://schemas.openxmlformats.org/officeDocument/2006/relationships" xmlns:p="http://schemas.openxmlformats.org/presentationml/2006/main">
-  <p:cSld>
-    <p:spTree>
-      <p:nvGrpSpPr>
-        <p:cNvPr id="1" name=""/>
-        <p:cNvGrpSpPr/>
-        <p:nvPr/>
-      </p:nvGrpSpPr>
-      <p:grpSpPr>
-        <a:xfrm>
-          <a:off x="0" y="0"/>
-          <a:ext cx="0" cy="0"/>
-          <a:chOff x="0" y="0"/>
-          <a:chExt cx="0" cy="0"/>
-        </a:xfrm>
-      </p:grpSpPr>
-      <p:sp>
-        <p:nvSpPr>
-          <p:cNvPr id="2" name="Title 1"/>
-          <p:cNvSpPr>
-            <a:spLocks noGrp="1"/>
-          </p:cNvSpPr>
-          <p:nvPr>
-            <p:ph type="title"/>
-          </p:nvPr>
-        </p:nvSpPr>
-        <p:spPr/>
-        <p:txBody>
-          <a:bodyPr/>
-          <a:lstStyle/>
-          <a:p>
-            <a:r>
-              <a:rPr lang="en-US" dirty="0" smtClean="0"/>
               <a:t>Tips to save resources</a:t>
             </a:r>
             <a:endParaRPr lang="en-US" dirty="0"/>
@@ -9025,7 +9076,7 @@
 </p:sld>
 </file>
 
-<file path=ppt/slides/slide29.xml><?xml version="1.0" encoding="utf-8"?>
+<file path=ppt/slides/slide28.xml><?xml version="1.0" encoding="utf-8"?>
 <p:sld xmlns:a="http://schemas.openxmlformats.org/drawingml/2006/main" xmlns:r="http://schemas.openxmlformats.org/officeDocument/2006/relationships" xmlns:p="http://schemas.openxmlformats.org/presentationml/2006/main">
   <p:cSld>
     <p:spTree>
